--- a/files/Slides/3_interim_monitoring.pptx
+++ b/files/Slides/3_interim_monitoring.pptx
@@ -313,7 +313,7 @@
           <a:p>
             <a:fld id="{12A6F325-4E3A-4A07-9D27-CCF5150B338E}" type="datetimeFigureOut">
               <a:rPr lang="en-US" smtClean="0"/>
-              <a:t>5/31/2024</a:t>
+              <a:t>6/9/2024</a:t>
             </a:fld>
             <a:endParaRPr lang="en-US"/>
           </a:p>
@@ -678,7 +678,7 @@
           <a:p>
             <a:fld id="{9AF4F601-252A-45E2-9DD7-BE4ED440ECE7}" type="datetimeFigureOut">
               <a:rPr lang="en-US" smtClean="0"/>
-              <a:t>5/31/2024</a:t>
+              <a:t>6/9/2024</a:t>
             </a:fld>
             <a:endParaRPr lang="en-US"/>
           </a:p>
@@ -7147,13 +7147,8 @@
             </a:pPr>
             <a:r>
               <a:rPr lang="en-US" dirty="0"/>
-              <a:t>Both approaches define a threshold (e.g., &lt;10%) to recommend futility, or may leverage group sequential-like boundaries </a:t>
-            </a:r>
-            <a:r>
-              <a:rPr lang="en-US"/>
-              <a:t>for thresholds</a:t>
-            </a:r>
-            <a:endParaRPr lang="en-US" dirty="0"/>
+              <a:t>Both approaches define a threshold (e.g., &lt;10%) to recommend futility, or may leverage group sequential-like boundaries for thresholds</a:t>
+            </a:r>
           </a:p>
         </p:txBody>
       </p:sp>
@@ -17009,7 +17004,15 @@
           <a:p>
             <a:r>
               <a:rPr lang="en-US" dirty="0"/>
-              <a:t>Futility monitoring without futility monitoring does NOT inflate the type I error rate, but may inflate the type II error rate (i.e., reduce the statistical power); can use GSM/ASF as well as conditional power or predictive probability of success</a:t>
+              <a:t>Futility monitoring </a:t>
+            </a:r>
+            <a:r>
+              <a:rPr lang="en-US"/>
+              <a:t>without efficacy </a:t>
+            </a:r>
+            <a:r>
+              <a:rPr lang="en-US" dirty="0"/>
+              <a:t>monitoring does NOT inflate the type I error rate, but may inflate the type II error rate (i.e., reduce the statistical power); can use GSM/ASF as well as conditional power or predictive probability of success</a:t>
             </a:r>
           </a:p>
           <a:p>
@@ -20132,6 +20135,21 @@
 </file>
 
 <file path=customXml/item1.xml><?xml version="1.0" encoding="utf-8"?>
+<p:properties xmlns:p="http://schemas.microsoft.com/office/2006/metadata/properties" xmlns:xsi="http://www.w3.org/2001/XMLSchema-instance" xmlns:pc="http://schemas.microsoft.com/office/infopath/2007/PartnerControls">
+  <documentManagement/>
+</p:properties>
+</file>
+
+<file path=customXml/item2.xml><?xml version="1.0" encoding="utf-8"?>
+<?mso-contentType ?>
+<FormTemplates xmlns="http://schemas.microsoft.com/sharepoint/v3/contenttype/forms">
+  <Display>DocumentLibraryForm</Display>
+  <Edit>DocumentLibraryForm</Edit>
+  <New>DocumentLibraryForm</New>
+</FormTemplates>
+</file>
+
+<file path=customXml/item3.xml><?xml version="1.0" encoding="utf-8"?>
 <ct:contentTypeSchema xmlns:ct="http://schemas.microsoft.com/office/2006/metadata/contentType" xmlns:ma="http://schemas.microsoft.com/office/2006/metadata/properties/metaAttributes" ct:_="" ma:_="" ma:contentTypeName="Document" ma:contentTypeID="0x010100378D46D727BB8B43B8798A80B118EDDB" ma:contentTypeVersion="0" ma:contentTypeDescription="Create a new document." ma:contentTypeScope="" ma:versionID="3a954d86e9ce22a5fe55d1f564f4b10e">
   <xsd:schema xmlns:xsd="http://www.w3.org/2001/XMLSchema" xmlns:xs="http://www.w3.org/2001/XMLSchema" xmlns:p="http://schemas.microsoft.com/office/2006/metadata/properties" targetNamespace="http://schemas.microsoft.com/office/2006/metadata/properties" ma:root="true" ma:fieldsID="6a8898fd043fd830b20f0b6098ebec22">
     <xsd:element name="properties">
@@ -20245,22 +20263,24 @@
 </ct:contentTypeSchema>
 </file>
 
-<file path=customXml/item2.xml><?xml version="1.0" encoding="utf-8"?>
-<p:properties xmlns:p="http://schemas.microsoft.com/office/2006/metadata/properties" xmlns:xsi="http://www.w3.org/2001/XMLSchema-instance" xmlns:pc="http://schemas.microsoft.com/office/infopath/2007/PartnerControls">
-  <documentManagement/>
-</p:properties>
+<file path=customXml/itemProps1.xml><?xml version="1.0" encoding="utf-8"?>
+<ds:datastoreItem xmlns:ds="http://schemas.openxmlformats.org/officeDocument/2006/customXml" ds:itemID="{15F395C0-4C6A-4E5A-8F37-3DD794B62CF7}">
+  <ds:schemaRefs>
+    <ds:schemaRef ds:uri="http://schemas.microsoft.com/office/2006/metadata/properties"/>
+    <ds:schemaRef ds:uri="http://schemas.microsoft.com/office/infopath/2007/PartnerControls"/>
+  </ds:schemaRefs>
+</ds:datastoreItem>
 </file>
 
-<file path=customXml/item3.xml><?xml version="1.0" encoding="utf-8"?>
-<?mso-contentType ?>
-<FormTemplates xmlns="http://schemas.microsoft.com/sharepoint/v3/contenttype/forms">
-  <Display>DocumentLibraryForm</Display>
-  <Edit>DocumentLibraryForm</Edit>
-  <New>DocumentLibraryForm</New>
-</FormTemplates>
+<file path=customXml/itemProps2.xml><?xml version="1.0" encoding="utf-8"?>
+<ds:datastoreItem xmlns:ds="http://schemas.openxmlformats.org/officeDocument/2006/customXml" ds:itemID="{6EDB8ACA-6B42-4974-BCA8-570878EA97BB}">
+  <ds:schemaRefs>
+    <ds:schemaRef ds:uri="http://schemas.microsoft.com/sharepoint/v3/contenttype/forms"/>
+  </ds:schemaRefs>
+</ds:datastoreItem>
 </file>
 
-<file path=customXml/itemProps1.xml><?xml version="1.0" encoding="utf-8"?>
+<file path=customXml/itemProps3.xml><?xml version="1.0" encoding="utf-8"?>
 <ds:datastoreItem xmlns:ds="http://schemas.openxmlformats.org/officeDocument/2006/customXml" ds:itemID="{D5D2E692-D9F7-47F3-9509-7B9EE88A17AC}">
   <ds:schemaRefs>
     <ds:schemaRef ds:uri="http://schemas.microsoft.com/office/2006/metadata/contentType"/>
@@ -20274,21 +20294,4 @@
     <ds:schemaRef ds:uri="http://schemas.microsoft.com/office/infopath/2007/PartnerControls"/>
   </ds:schemaRefs>
 </ds:datastoreItem>
-</file>
-
-<file path=customXml/itemProps2.xml><?xml version="1.0" encoding="utf-8"?>
-<ds:datastoreItem xmlns:ds="http://schemas.openxmlformats.org/officeDocument/2006/customXml" ds:itemID="{15F395C0-4C6A-4E5A-8F37-3DD794B62CF7}">
-  <ds:schemaRefs>
-    <ds:schemaRef ds:uri="http://schemas.microsoft.com/office/2006/metadata/properties"/>
-    <ds:schemaRef ds:uri="http://schemas.microsoft.com/office/infopath/2007/PartnerControls"/>
-  </ds:schemaRefs>
-</ds:datastoreItem>
-</file>
-
-<file path=customXml/itemProps3.xml><?xml version="1.0" encoding="utf-8"?>
-<ds:datastoreItem xmlns:ds="http://schemas.openxmlformats.org/officeDocument/2006/customXml" ds:itemID="{6EDB8ACA-6B42-4974-BCA8-570878EA97BB}">
-  <ds:schemaRefs>
-    <ds:schemaRef ds:uri="http://schemas.microsoft.com/sharepoint/v3/contenttype/forms"/>
-  </ds:schemaRefs>
-</ds:datastoreItem>
 </file>